--- a/チェックリストの改善案.pptx
+++ b/チェックリストの改善案.pptx
@@ -608,7 +608,7 @@
           <a:p>
             <a:fld id="{448BFDAC-8338-4259-B70F-415F59F4436F}" type="datetimeFigureOut">
               <a:rPr kumimoji="1" lang="ja-JP" altLang="en-US" smtClean="0"/>
-              <a:t>2021/10/21</a:t>
+              <a:t>2021/11/10</a:t>
             </a:fld>
             <a:endParaRPr kumimoji="1" lang="ja-JP" altLang="en-US"/>
           </a:p>
@@ -773,7 +773,7 @@
           <a:p>
             <a:fld id="{DC16C8F6-CB2F-44FB-A952-6F2D33A426A4}" type="datetimeFigureOut">
               <a:rPr kumimoji="1" lang="ja-JP" altLang="en-US" smtClean="0"/>
-              <a:t>2021/10/21</a:t>
+              <a:t>2021/11/10</a:t>
             </a:fld>
             <a:endParaRPr kumimoji="1" lang="ja-JP" altLang="en-US"/>
           </a:p>
@@ -2490,7 +2490,7 @@
           <a:p>
             <a:fld id="{21F29463-AFFD-48B4-B019-06F4BB876AFB}" type="datetime1">
               <a:rPr kumimoji="1" lang="ja-JP" altLang="en-US" smtClean="0"/>
-              <a:t>2021/10/21</a:t>
+              <a:t>2021/11/10</a:t>
             </a:fld>
             <a:endParaRPr kumimoji="1" lang="ja-JP" altLang="en-US"/>
           </a:p>
@@ -2690,7 +2690,7 @@
           <a:p>
             <a:fld id="{1FEC15A0-26A6-43B2-8DF0-61CCE5A45EF9}" type="datetime1">
               <a:rPr kumimoji="1" lang="ja-JP" altLang="en-US" smtClean="0"/>
-              <a:t>2021/10/21</a:t>
+              <a:t>2021/11/10</a:t>
             </a:fld>
             <a:endParaRPr kumimoji="1" lang="ja-JP" altLang="en-US"/>
           </a:p>
@@ -2900,7 +2900,7 @@
           <a:p>
             <a:fld id="{62D2D62F-5B9B-4FD1-B99A-F8CC3A6FAB57}" type="datetime1">
               <a:rPr kumimoji="1" lang="ja-JP" altLang="en-US" smtClean="0"/>
-              <a:t>2021/10/21</a:t>
+              <a:t>2021/11/10</a:t>
             </a:fld>
             <a:endParaRPr kumimoji="1" lang="ja-JP" altLang="en-US"/>
           </a:p>
@@ -3100,7 +3100,7 @@
           <a:p>
             <a:fld id="{78B07382-F827-4B1F-B555-9F58867490D5}" type="datetime1">
               <a:rPr kumimoji="1" lang="ja-JP" altLang="en-US" smtClean="0"/>
-              <a:t>2021/10/21</a:t>
+              <a:t>2021/11/10</a:t>
             </a:fld>
             <a:endParaRPr kumimoji="1" lang="ja-JP" altLang="en-US"/>
           </a:p>
@@ -3345,7 +3345,7 @@
           <a:p>
             <a:fld id="{3C68B28A-88C5-43C2-B7D3-F3CA644D9BB9}" type="datetime1">
               <a:rPr kumimoji="1" lang="ja-JP" altLang="en-US" smtClean="0"/>
-              <a:t>2021/10/21</a:t>
+              <a:t>2021/11/10</a:t>
             </a:fld>
             <a:endParaRPr kumimoji="1" lang="ja-JP" altLang="en-US"/>
           </a:p>
@@ -3694,7 +3694,7 @@
           <a:p>
             <a:fld id="{B90EE116-3E36-497E-BEAE-8CDED237098E}" type="datetime1">
               <a:rPr kumimoji="1" lang="ja-JP" altLang="en-US" smtClean="0"/>
-              <a:t>2021/10/21</a:t>
+              <a:t>2021/11/10</a:t>
             </a:fld>
             <a:endParaRPr kumimoji="1" lang="ja-JP" altLang="en-US"/>
           </a:p>
@@ -4177,7 +4177,7 @@
           <a:p>
             <a:fld id="{BF10A5F0-1888-4953-8359-55118F04F623}" type="datetime1">
               <a:rPr kumimoji="1" lang="ja-JP" altLang="en-US" smtClean="0"/>
-              <a:t>2021/10/21</a:t>
+              <a:t>2021/11/10</a:t>
             </a:fld>
             <a:endParaRPr kumimoji="1" lang="ja-JP" altLang="en-US"/>
           </a:p>
@@ -4316,7 +4316,7 @@
           <a:p>
             <a:fld id="{C779922D-04F7-4AFD-AB43-C2F854880C6A}" type="datetime1">
               <a:rPr kumimoji="1" lang="ja-JP" altLang="en-US" smtClean="0"/>
-              <a:t>2021/10/21</a:t>
+              <a:t>2021/11/10</a:t>
             </a:fld>
             <a:endParaRPr kumimoji="1" lang="ja-JP" altLang="en-US"/>
           </a:p>
@@ -4431,7 +4431,7 @@
           <a:p>
             <a:fld id="{FD9EBDB0-ABC2-4CA4-84A8-C941FEAAA1FD}" type="datetime1">
               <a:rPr kumimoji="1" lang="ja-JP" altLang="en-US" smtClean="0"/>
-              <a:t>2021/10/21</a:t>
+              <a:t>2021/11/10</a:t>
             </a:fld>
             <a:endParaRPr kumimoji="1" lang="ja-JP" altLang="en-US"/>
           </a:p>
@@ -4738,7 +4738,7 @@
           <a:p>
             <a:fld id="{0A335B3D-0C2E-4C97-B7B7-54CB21781CAF}" type="datetime1">
               <a:rPr kumimoji="1" lang="ja-JP" altLang="en-US" smtClean="0"/>
-              <a:t>2021/10/21</a:t>
+              <a:t>2021/11/10</a:t>
             </a:fld>
             <a:endParaRPr kumimoji="1" lang="ja-JP" altLang="en-US"/>
           </a:p>
@@ -4990,7 +4990,7 @@
           <a:p>
             <a:fld id="{7C88BBA9-6901-46D9-8BA1-D1E7C026B320}" type="datetime1">
               <a:rPr kumimoji="1" lang="ja-JP" altLang="en-US" smtClean="0"/>
-              <a:t>2021/10/21</a:t>
+              <a:t>2021/11/10</a:t>
             </a:fld>
             <a:endParaRPr kumimoji="1" lang="ja-JP" altLang="en-US"/>
           </a:p>
@@ -5239,7 +5239,7 @@
           <a:p>
             <a:fld id="{49F4C073-860E-4FF6-A99D-9C7951ABDF05}" type="datetime1">
               <a:rPr kumimoji="1" lang="ja-JP" altLang="en-US" smtClean="0"/>
-              <a:t>2021/10/21</a:t>
+              <a:t>2021/11/10</a:t>
             </a:fld>
             <a:endParaRPr kumimoji="1" lang="ja-JP" altLang="en-US"/>
           </a:p>
@@ -7300,36 +7300,6 @@
           </a:p>
         </p:txBody>
       </p:sp>
-      <p:pic>
-        <p:nvPicPr>
-          <p:cNvPr id="9" name="図 8">
-            <a:extLst>
-              <a:ext uri="{FF2B5EF4-FFF2-40B4-BE49-F238E27FC236}">
-                <a16:creationId xmlns:a16="http://schemas.microsoft.com/office/drawing/2014/main" id="{4534D45F-5703-41A1-ABBD-C1AA0A1658AF}"/>
-              </a:ext>
-            </a:extLst>
-          </p:cNvPr>
-          <p:cNvPicPr>
-            <a:picLocks noChangeAspect="1"/>
-          </p:cNvPicPr>
-          <p:nvPr/>
-        </p:nvPicPr>
-        <p:blipFill>
-          <a:blip r:embed="rId3"/>
-          <a:stretch>
-            <a:fillRect/>
-          </a:stretch>
-        </p:blipFill>
-        <p:spPr>
-          <a:xfrm>
-            <a:off x="0" y="621195"/>
-            <a:ext cx="9144000" cy="5615609"/>
-          </a:xfrm>
-          <a:prstGeom prst="rect">
-            <a:avLst/>
-          </a:prstGeom>
-        </p:spPr>
-      </p:pic>
       <p:sp>
         <p:nvSpPr>
           <p:cNvPr id="4" name="テキスト ボックス 3">
@@ -7395,6 +7365,36 @@
           </a:p>
         </p:txBody>
       </p:sp>
+      <p:pic>
+        <p:nvPicPr>
+          <p:cNvPr id="6" name="図 5">
+            <a:extLst>
+              <a:ext uri="{FF2B5EF4-FFF2-40B4-BE49-F238E27FC236}">
+                <a16:creationId xmlns:a16="http://schemas.microsoft.com/office/drawing/2014/main" id="{E93B5F6C-99E5-46C0-BDD2-B11B062533DC}"/>
+              </a:ext>
+            </a:extLst>
+          </p:cNvPr>
+          <p:cNvPicPr>
+            <a:picLocks noChangeAspect="1"/>
+          </p:cNvPicPr>
+          <p:nvPr/>
+        </p:nvPicPr>
+        <p:blipFill>
+          <a:blip r:embed="rId3"/>
+          <a:stretch>
+            <a:fillRect/>
+          </a:stretch>
+        </p:blipFill>
+        <p:spPr>
+          <a:xfrm>
+            <a:off x="0" y="959643"/>
+            <a:ext cx="9144000" cy="4938713"/>
+          </a:xfrm>
+          <a:prstGeom prst="rect">
+            <a:avLst/>
+          </a:prstGeom>
+        </p:spPr>
+      </p:pic>
     </p:spTree>
     <p:extLst>
       <p:ext uri="{BB962C8B-B14F-4D97-AF65-F5344CB8AC3E}">
